--- a/Rectal_cancer_classification.pptx
+++ b/Rectal_cancer_classification.pptx
@@ -7,16 +7,18 @@
   <p:sldIdLst>
     <p:sldId id="256" r:id="rId2"/>
     <p:sldId id="257" r:id="rId3"/>
-    <p:sldId id="258" r:id="rId4"/>
-    <p:sldId id="259" r:id="rId5"/>
-    <p:sldId id="260" r:id="rId6"/>
-    <p:sldId id="261" r:id="rId7"/>
-    <p:sldId id="263" r:id="rId8"/>
-    <p:sldId id="264" r:id="rId9"/>
-    <p:sldId id="262" r:id="rId10"/>
-    <p:sldId id="265" r:id="rId11"/>
-    <p:sldId id="266" r:id="rId12"/>
-    <p:sldId id="267" r:id="rId13"/>
+    <p:sldId id="268" r:id="rId4"/>
+    <p:sldId id="269" r:id="rId5"/>
+    <p:sldId id="258" r:id="rId6"/>
+    <p:sldId id="259" r:id="rId7"/>
+    <p:sldId id="260" r:id="rId8"/>
+    <p:sldId id="261" r:id="rId9"/>
+    <p:sldId id="263" r:id="rId10"/>
+    <p:sldId id="264" r:id="rId11"/>
+    <p:sldId id="262" r:id="rId12"/>
+    <p:sldId id="265" r:id="rId13"/>
+    <p:sldId id="266" r:id="rId14"/>
+    <p:sldId id="267" r:id="rId15"/>
   </p:sldIdLst>
   <p:sldSz cx="12192000" cy="6858000"/>
   <p:notesSz cx="6858000" cy="9144000"/>
@@ -3739,7 +3741,7 @@
           <a:p>
             <a:fld id="{E8031F89-CBEC-437C-8343-7E1A9074C366}" type="datetimeFigureOut">
               <a:rPr lang="ko-KR" altLang="en-US" smtClean="0"/>
-              <a:t>2019-04-02</a:t>
+              <a:t>2019-04-15</a:t>
             </a:fld>
             <a:endParaRPr lang="ko-KR" altLang="en-US"/>
           </a:p>
@@ -3937,7 +3939,7 @@
           <a:p>
             <a:fld id="{E8031F89-CBEC-437C-8343-7E1A9074C366}" type="datetimeFigureOut">
               <a:rPr lang="ko-KR" altLang="en-US" smtClean="0"/>
-              <a:t>2019-04-02</a:t>
+              <a:t>2019-04-15</a:t>
             </a:fld>
             <a:endParaRPr lang="ko-KR" altLang="en-US"/>
           </a:p>
@@ -4145,7 +4147,7 @@
           <a:p>
             <a:fld id="{E8031F89-CBEC-437C-8343-7E1A9074C366}" type="datetimeFigureOut">
               <a:rPr lang="ko-KR" altLang="en-US" smtClean="0"/>
-              <a:t>2019-04-02</a:t>
+              <a:t>2019-04-15</a:t>
             </a:fld>
             <a:endParaRPr lang="ko-KR" altLang="en-US"/>
           </a:p>
@@ -4343,7 +4345,7 @@
           <a:p>
             <a:fld id="{E8031F89-CBEC-437C-8343-7E1A9074C366}" type="datetimeFigureOut">
               <a:rPr lang="ko-KR" altLang="en-US" smtClean="0"/>
-              <a:t>2019-04-02</a:t>
+              <a:t>2019-04-15</a:t>
             </a:fld>
             <a:endParaRPr lang="ko-KR" altLang="en-US"/>
           </a:p>
@@ -4618,7 +4620,7 @@
           <a:p>
             <a:fld id="{E8031F89-CBEC-437C-8343-7E1A9074C366}" type="datetimeFigureOut">
               <a:rPr lang="ko-KR" altLang="en-US" smtClean="0"/>
-              <a:t>2019-04-02</a:t>
+              <a:t>2019-04-15</a:t>
             </a:fld>
             <a:endParaRPr lang="ko-KR" altLang="en-US"/>
           </a:p>
@@ -4883,7 +4885,7 @@
           <a:p>
             <a:fld id="{E8031F89-CBEC-437C-8343-7E1A9074C366}" type="datetimeFigureOut">
               <a:rPr lang="ko-KR" altLang="en-US" smtClean="0"/>
-              <a:t>2019-04-02</a:t>
+              <a:t>2019-04-15</a:t>
             </a:fld>
             <a:endParaRPr lang="ko-KR" altLang="en-US"/>
           </a:p>
@@ -5295,7 +5297,7 @@
           <a:p>
             <a:fld id="{E8031F89-CBEC-437C-8343-7E1A9074C366}" type="datetimeFigureOut">
               <a:rPr lang="ko-KR" altLang="en-US" smtClean="0"/>
-              <a:t>2019-04-02</a:t>
+              <a:t>2019-04-15</a:t>
             </a:fld>
             <a:endParaRPr lang="ko-KR" altLang="en-US"/>
           </a:p>
@@ -5436,7 +5438,7 @@
           <a:p>
             <a:fld id="{E8031F89-CBEC-437C-8343-7E1A9074C366}" type="datetimeFigureOut">
               <a:rPr lang="ko-KR" altLang="en-US" smtClean="0"/>
-              <a:t>2019-04-02</a:t>
+              <a:t>2019-04-15</a:t>
             </a:fld>
             <a:endParaRPr lang="ko-KR" altLang="en-US"/>
           </a:p>
@@ -5549,7 +5551,7 @@
           <a:p>
             <a:fld id="{E8031F89-CBEC-437C-8343-7E1A9074C366}" type="datetimeFigureOut">
               <a:rPr lang="ko-KR" altLang="en-US" smtClean="0"/>
-              <a:t>2019-04-02</a:t>
+              <a:t>2019-04-15</a:t>
             </a:fld>
             <a:endParaRPr lang="ko-KR" altLang="en-US"/>
           </a:p>
@@ -5860,7 +5862,7 @@
           <a:p>
             <a:fld id="{E8031F89-CBEC-437C-8343-7E1A9074C366}" type="datetimeFigureOut">
               <a:rPr lang="ko-KR" altLang="en-US" smtClean="0"/>
-              <a:t>2019-04-02</a:t>
+              <a:t>2019-04-15</a:t>
             </a:fld>
             <a:endParaRPr lang="ko-KR" altLang="en-US"/>
           </a:p>
@@ -6148,7 +6150,7 @@
           <a:p>
             <a:fld id="{E8031F89-CBEC-437C-8343-7E1A9074C366}" type="datetimeFigureOut">
               <a:rPr lang="ko-KR" altLang="en-US" smtClean="0"/>
-              <a:t>2019-04-02</a:t>
+              <a:t>2019-04-15</a:t>
             </a:fld>
             <a:endParaRPr lang="ko-KR" altLang="en-US"/>
           </a:p>
@@ -6389,7 +6391,7 @@
           <a:p>
             <a:fld id="{E8031F89-CBEC-437C-8343-7E1A9074C366}" type="datetimeFigureOut">
               <a:rPr lang="ko-KR" altLang="en-US" smtClean="0"/>
-              <a:t>2019-04-02</a:t>
+              <a:t>2019-04-15</a:t>
             </a:fld>
             <a:endParaRPr lang="ko-KR" altLang="en-US"/>
           </a:p>
@@ -6907,47 +6909,214 @@
           <a:chExt cx="0" cy="0"/>
         </a:xfrm>
       </p:grpSpPr>
+      <p:sp>
+        <p:nvSpPr>
+          <p:cNvPr id="8" name="TextBox 7">
+            <a:extLst>
+              <a:ext uri="{FF2B5EF4-FFF2-40B4-BE49-F238E27FC236}">
+                <a16:creationId xmlns:a16="http://schemas.microsoft.com/office/drawing/2014/main" id="{B9B23F2A-AB35-4DEC-9569-617E6380F377}"/>
+              </a:ext>
+            </a:extLst>
+          </p:cNvPr>
+          <p:cNvSpPr txBox="1"/>
+          <p:nvPr/>
+        </p:nvSpPr>
+        <p:spPr>
+          <a:xfrm>
+            <a:off x="434307" y="270057"/>
+            <a:ext cx="2363755" cy="369332"/>
+          </a:xfrm>
+          <a:prstGeom prst="rect">
+            <a:avLst/>
+          </a:prstGeom>
+          <a:noFill/>
+        </p:spPr>
+        <p:txBody>
+          <a:bodyPr wrap="square" rtlCol="0">
+            <a:spAutoFit/>
+          </a:bodyPr>
+          <a:lstStyle/>
+          <a:p>
+            <a:r>
+              <a:rPr lang="en-US" altLang="ko-KR" dirty="0"/>
+              <a:t>Rank</a:t>
+            </a:r>
+            <a:r>
+              <a:rPr lang="ko-KR" altLang="en-US" dirty="0"/>
+              <a:t> </a:t>
+            </a:r>
+            <a:r>
+              <a:rPr lang="en-US" altLang="ko-KR" dirty="0"/>
+              <a:t>=</a:t>
+            </a:r>
+            <a:r>
+              <a:rPr lang="ko-KR" altLang="en-US" dirty="0"/>
+              <a:t> </a:t>
+            </a:r>
+            <a:r>
+              <a:rPr lang="en-US" altLang="ko-KR" dirty="0"/>
+              <a:t>4</a:t>
+            </a:r>
+            <a:endParaRPr lang="ko-KR" altLang="en-US" dirty="0"/>
+          </a:p>
+        </p:txBody>
+      </p:sp>
       <p:pic>
         <p:nvPicPr>
-          <p:cNvPr id="5" name="내용 개체 틀 4">
-            <a:extLst>
-              <a:ext uri="{FF2B5EF4-FFF2-40B4-BE49-F238E27FC236}">
-                <a16:creationId xmlns:a16="http://schemas.microsoft.com/office/drawing/2014/main" id="{8FAC3D29-7F85-4EEA-A345-A03A14F0F3EB}"/>
+          <p:cNvPr id="4" name="그림 3">
+            <a:extLst>
+              <a:ext uri="{FF2B5EF4-FFF2-40B4-BE49-F238E27FC236}">
+                <a16:creationId xmlns:a16="http://schemas.microsoft.com/office/drawing/2014/main" id="{C605483D-CED2-4EBD-96D1-FE762D728048}"/>
               </a:ext>
             </a:extLst>
           </p:cNvPr>
           <p:cNvPicPr>
-            <a:picLocks noGrp="1" noChangeAspect="1"/>
+            <a:picLocks noChangeAspect="1"/>
           </p:cNvPicPr>
-          <p:nvPr>
-            <p:ph idx="1"/>
-          </p:nvPr>
+          <p:nvPr/>
         </p:nvPicPr>
         <p:blipFill>
-          <a:blip r:embed="rId2">
-            <a:extLst>
-              <a:ext uri="{28A0092B-C50C-407E-A947-70E740481C1C}">
-                <a14:useLocalDpi xmlns:a14="http://schemas.microsoft.com/office/drawing/2010/main" val="0"/>
-              </a:ext>
-            </a:extLst>
-          </a:blip>
+          <a:blip r:embed="rId2"/>
           <a:stretch>
             <a:fillRect/>
           </a:stretch>
         </p:blipFill>
         <p:spPr>
           <a:xfrm>
-            <a:off x="639803" y="0"/>
-            <a:ext cx="10286998" cy="6858000"/>
+            <a:off x="580832" y="895120"/>
+            <a:ext cx="5357324" cy="3825572"/>
           </a:xfrm>
+          <a:prstGeom prst="rect">
+            <a:avLst/>
+          </a:prstGeom>
+        </p:spPr>
+      </p:pic>
+      <p:pic>
+        <p:nvPicPr>
+          <p:cNvPr id="5" name="그림 4">
+            <a:extLst>
+              <a:ext uri="{FF2B5EF4-FFF2-40B4-BE49-F238E27FC236}">
+                <a16:creationId xmlns:a16="http://schemas.microsoft.com/office/drawing/2014/main" id="{A06A2EB2-CC3E-48A3-B9D9-FD1FC46F28FF}"/>
+              </a:ext>
+            </a:extLst>
+          </p:cNvPr>
+          <p:cNvPicPr>
+            <a:picLocks noChangeAspect="1"/>
+          </p:cNvPicPr>
+          <p:nvPr/>
+        </p:nvPicPr>
+        <p:blipFill>
+          <a:blip r:embed="rId3"/>
+          <a:stretch>
+            <a:fillRect/>
+          </a:stretch>
+        </p:blipFill>
+        <p:spPr>
+          <a:xfrm>
+            <a:off x="864487" y="5018411"/>
+            <a:ext cx="3867150" cy="1200150"/>
+          </a:xfrm>
+          <a:prstGeom prst="rect">
+            <a:avLst/>
+          </a:prstGeom>
+        </p:spPr>
+      </p:pic>
+    </p:spTree>
+    <p:extLst>
+      <p:ext uri="{BB962C8B-B14F-4D97-AF65-F5344CB8AC3E}">
+        <p14:creationId xmlns:p14="http://schemas.microsoft.com/office/powerpoint/2010/main" val="128818781"/>
+      </p:ext>
+    </p:extLst>
+  </p:cSld>
+  <p:clrMapOvr>
+    <a:masterClrMapping/>
+  </p:clrMapOvr>
+</p:sld>
+</file>
+
+<file path=ppt/slides/slide11.xml><?xml version="1.0" encoding="utf-8"?>
+<p:sld xmlns:a="http://schemas.openxmlformats.org/drawingml/2006/main" xmlns:r="http://schemas.openxmlformats.org/officeDocument/2006/relationships" xmlns:p="http://schemas.openxmlformats.org/presentationml/2006/main">
+  <p:cSld>
+    <p:spTree>
+      <p:nvGrpSpPr>
+        <p:cNvPr id="1" name=""/>
+        <p:cNvGrpSpPr/>
+        <p:nvPr/>
+      </p:nvGrpSpPr>
+      <p:grpSpPr>
+        <a:xfrm>
+          <a:off x="0" y="0"/>
+          <a:ext cx="0" cy="0"/>
+          <a:chOff x="0" y="0"/>
+          <a:chExt cx="0" cy="0"/>
+        </a:xfrm>
+      </p:grpSpPr>
+      <p:pic>
+        <p:nvPicPr>
+          <p:cNvPr id="4" name="그림 3">
+            <a:extLst>
+              <a:ext uri="{FF2B5EF4-FFF2-40B4-BE49-F238E27FC236}">
+                <a16:creationId xmlns:a16="http://schemas.microsoft.com/office/drawing/2014/main" id="{CF242010-D213-4F8C-A110-489FDF5FCDF8}"/>
+              </a:ext>
+            </a:extLst>
+          </p:cNvPr>
+          <p:cNvPicPr>
+            <a:picLocks noChangeAspect="1"/>
+          </p:cNvPicPr>
+          <p:nvPr/>
+        </p:nvPicPr>
+        <p:blipFill>
+          <a:blip r:embed="rId2"/>
+          <a:stretch>
+            <a:fillRect/>
+          </a:stretch>
+        </p:blipFill>
+        <p:spPr>
+          <a:xfrm>
+            <a:off x="495146" y="475994"/>
+            <a:ext cx="5342083" cy="5906012"/>
+          </a:xfrm>
+          <a:prstGeom prst="rect">
+            <a:avLst/>
+          </a:prstGeom>
+        </p:spPr>
+      </p:pic>
+      <p:pic>
+        <p:nvPicPr>
+          <p:cNvPr id="6" name="그림 5">
+            <a:extLst>
+              <a:ext uri="{FF2B5EF4-FFF2-40B4-BE49-F238E27FC236}">
+                <a16:creationId xmlns:a16="http://schemas.microsoft.com/office/drawing/2014/main" id="{21C0DE7E-F7BA-41C4-BA3C-183C6B696190}"/>
+              </a:ext>
+            </a:extLst>
+          </p:cNvPr>
+          <p:cNvPicPr>
+            <a:picLocks noChangeAspect="1"/>
+          </p:cNvPicPr>
+          <p:nvPr/>
+        </p:nvPicPr>
+        <p:blipFill>
+          <a:blip r:embed="rId3"/>
+          <a:stretch>
+            <a:fillRect/>
+          </a:stretch>
+        </p:blipFill>
+        <p:spPr>
+          <a:xfrm>
+            <a:off x="6354773" y="475994"/>
+            <a:ext cx="5249050" cy="6167402"/>
+          </a:xfrm>
+          <a:prstGeom prst="rect">
+            <a:avLst/>
+          </a:prstGeom>
         </p:spPr>
       </p:pic>
       <p:sp>
         <p:nvSpPr>
-          <p:cNvPr id="6" name="TextBox 5">
-            <a:extLst>
-              <a:ext uri="{FF2B5EF4-FFF2-40B4-BE49-F238E27FC236}">
-                <a16:creationId xmlns:a16="http://schemas.microsoft.com/office/drawing/2014/main" id="{8F2FEB8A-BE6C-4FA0-B3CC-515ACB77215B}"/>
+          <p:cNvPr id="7" name="TextBox 6">
+            <a:extLst>
+              <a:ext uri="{FF2B5EF4-FFF2-40B4-BE49-F238E27FC236}">
+                <a16:creationId xmlns:a16="http://schemas.microsoft.com/office/drawing/2014/main" id="{FE90A4AB-CCE2-40C2-A624-1995C215E579}"/>
               </a:ext>
             </a:extLst>
           </p:cNvPr>
@@ -7011,7 +7180,7 @@
     </p:spTree>
     <p:extLst>
       <p:ext uri="{BB962C8B-B14F-4D97-AF65-F5344CB8AC3E}">
-        <p14:creationId xmlns:p14="http://schemas.microsoft.com/office/powerpoint/2010/main" val="2254570031"/>
+        <p14:creationId xmlns:p14="http://schemas.microsoft.com/office/powerpoint/2010/main" val="926834691"/>
       </p:ext>
     </p:extLst>
   </p:cSld>
@@ -7021,7 +7190,7 @@
 </p:sld>
 </file>
 
-<file path=ppt/slides/slide11.xml><?xml version="1.0" encoding="utf-8"?>
+<file path=ppt/slides/slide12.xml><?xml version="1.0" encoding="utf-8"?>
 <p:sld xmlns:a="http://schemas.openxmlformats.org/drawingml/2006/main" xmlns:r="http://schemas.openxmlformats.org/officeDocument/2006/relationships" xmlns:p="http://schemas.openxmlformats.org/presentationml/2006/main">
   <p:cSld>
     <p:spTree>
@@ -7040,32 +7209,37 @@
       </p:grpSpPr>
       <p:pic>
         <p:nvPicPr>
-          <p:cNvPr id="5" name="그림 4">
-            <a:extLst>
-              <a:ext uri="{FF2B5EF4-FFF2-40B4-BE49-F238E27FC236}">
-                <a16:creationId xmlns:a16="http://schemas.microsoft.com/office/drawing/2014/main" id="{20BFD215-C807-4354-97F5-9DB5249FC654}"/>
+          <p:cNvPr id="5" name="내용 개체 틀 4">
+            <a:extLst>
+              <a:ext uri="{FF2B5EF4-FFF2-40B4-BE49-F238E27FC236}">
+                <a16:creationId xmlns:a16="http://schemas.microsoft.com/office/drawing/2014/main" id="{8FAC3D29-7F85-4EEA-A345-A03A14F0F3EB}"/>
               </a:ext>
             </a:extLst>
           </p:cNvPr>
           <p:cNvPicPr>
-            <a:picLocks noChangeAspect="1"/>
+            <a:picLocks noGrp="1" noChangeAspect="1"/>
           </p:cNvPicPr>
-          <p:nvPr/>
+          <p:nvPr>
+            <p:ph idx="1"/>
+          </p:nvPr>
         </p:nvPicPr>
         <p:blipFill>
-          <a:blip r:embed="rId2"/>
+          <a:blip r:embed="rId2">
+            <a:extLst>
+              <a:ext uri="{28A0092B-C50C-407E-A947-70E740481C1C}">
+                <a14:useLocalDpi xmlns:a14="http://schemas.microsoft.com/office/drawing/2010/main" val="0"/>
+              </a:ext>
+            </a:extLst>
+          </a:blip>
           <a:stretch>
             <a:fillRect/>
           </a:stretch>
         </p:blipFill>
         <p:spPr>
           <a:xfrm>
-            <a:off x="138987" y="171450"/>
-            <a:ext cx="5886450" cy="6515100"/>
+            <a:off x="639803" y="0"/>
+            <a:ext cx="10286998" cy="6858000"/>
           </a:xfrm>
-          <a:prstGeom prst="rect">
-            <a:avLst/>
-          </a:prstGeom>
         </p:spPr>
       </p:pic>
       <p:sp>
@@ -7073,7 +7247,7 @@
           <p:cNvPr id="6" name="TextBox 5">
             <a:extLst>
               <a:ext uri="{FF2B5EF4-FFF2-40B4-BE49-F238E27FC236}">
-                <a16:creationId xmlns:a16="http://schemas.microsoft.com/office/drawing/2014/main" id="{E55C25A8-428A-4D20-877F-DF122E60BCBA}"/>
+                <a16:creationId xmlns:a16="http://schemas.microsoft.com/office/drawing/2014/main" id="{8F2FEB8A-BE6C-4FA0-B3CC-515ACB77215B}"/>
               </a:ext>
             </a:extLst>
           </p:cNvPr>
@@ -7137,6 +7311,132 @@
     </p:spTree>
     <p:extLst>
       <p:ext uri="{BB962C8B-B14F-4D97-AF65-F5344CB8AC3E}">
+        <p14:creationId xmlns:p14="http://schemas.microsoft.com/office/powerpoint/2010/main" val="2254570031"/>
+      </p:ext>
+    </p:extLst>
+  </p:cSld>
+  <p:clrMapOvr>
+    <a:masterClrMapping/>
+  </p:clrMapOvr>
+</p:sld>
+</file>
+
+<file path=ppt/slides/slide13.xml><?xml version="1.0" encoding="utf-8"?>
+<p:sld xmlns:a="http://schemas.openxmlformats.org/drawingml/2006/main" xmlns:r="http://schemas.openxmlformats.org/officeDocument/2006/relationships" xmlns:p="http://schemas.openxmlformats.org/presentationml/2006/main">
+  <p:cSld>
+    <p:spTree>
+      <p:nvGrpSpPr>
+        <p:cNvPr id="1" name=""/>
+        <p:cNvGrpSpPr/>
+        <p:nvPr/>
+      </p:nvGrpSpPr>
+      <p:grpSpPr>
+        <a:xfrm>
+          <a:off x="0" y="0"/>
+          <a:ext cx="0" cy="0"/>
+          <a:chOff x="0" y="0"/>
+          <a:chExt cx="0" cy="0"/>
+        </a:xfrm>
+      </p:grpSpPr>
+      <p:pic>
+        <p:nvPicPr>
+          <p:cNvPr id="5" name="그림 4">
+            <a:extLst>
+              <a:ext uri="{FF2B5EF4-FFF2-40B4-BE49-F238E27FC236}">
+                <a16:creationId xmlns:a16="http://schemas.microsoft.com/office/drawing/2014/main" id="{20BFD215-C807-4354-97F5-9DB5249FC654}"/>
+              </a:ext>
+            </a:extLst>
+          </p:cNvPr>
+          <p:cNvPicPr>
+            <a:picLocks noChangeAspect="1"/>
+          </p:cNvPicPr>
+          <p:nvPr/>
+        </p:nvPicPr>
+        <p:blipFill>
+          <a:blip r:embed="rId2"/>
+          <a:stretch>
+            <a:fillRect/>
+          </a:stretch>
+        </p:blipFill>
+        <p:spPr>
+          <a:xfrm>
+            <a:off x="138987" y="171450"/>
+            <a:ext cx="5886450" cy="6515100"/>
+          </a:xfrm>
+          <a:prstGeom prst="rect">
+            <a:avLst/>
+          </a:prstGeom>
+        </p:spPr>
+      </p:pic>
+      <p:sp>
+        <p:nvSpPr>
+          <p:cNvPr id="6" name="TextBox 5">
+            <a:extLst>
+              <a:ext uri="{FF2B5EF4-FFF2-40B4-BE49-F238E27FC236}">
+                <a16:creationId xmlns:a16="http://schemas.microsoft.com/office/drawing/2014/main" id="{E55C25A8-428A-4D20-877F-DF122E60BCBA}"/>
+              </a:ext>
+            </a:extLst>
+          </p:cNvPr>
+          <p:cNvSpPr txBox="1"/>
+          <p:nvPr/>
+        </p:nvSpPr>
+        <p:spPr>
+          <a:xfrm>
+            <a:off x="10142376" y="0"/>
+            <a:ext cx="2049624" cy="523220"/>
+          </a:xfrm>
+          <a:prstGeom prst="rect">
+            <a:avLst/>
+          </a:prstGeom>
+        </p:spPr>
+        <p:style>
+          <a:lnRef idx="1">
+            <a:schemeClr val="accent2"/>
+          </a:lnRef>
+          <a:fillRef idx="3">
+            <a:schemeClr val="accent2"/>
+          </a:fillRef>
+          <a:effectRef idx="2">
+            <a:schemeClr val="accent2"/>
+          </a:effectRef>
+          <a:fontRef idx="minor">
+            <a:schemeClr val="lt1"/>
+          </a:fontRef>
+        </p:style>
+        <p:txBody>
+          <a:bodyPr wrap="square" rtlCol="0">
+            <a:spAutoFit/>
+          </a:bodyPr>
+          <a:lstStyle/>
+          <a:p>
+            <a:pPr algn="ctr"/>
+            <a:r>
+              <a:rPr lang="en-US" altLang="ko-KR" sz="2800" b="1" dirty="0"/>
+              <a:t>Rank</a:t>
+            </a:r>
+            <a:r>
+              <a:rPr lang="ko-KR" altLang="en-US" sz="2800" b="1" dirty="0"/>
+              <a:t> </a:t>
+            </a:r>
+            <a:r>
+              <a:rPr lang="en-US" altLang="ko-KR" sz="2800" b="1" dirty="0"/>
+              <a:t>=</a:t>
+            </a:r>
+            <a:r>
+              <a:rPr lang="ko-KR" altLang="en-US" sz="2800" b="1" dirty="0"/>
+              <a:t> </a:t>
+            </a:r>
+            <a:r>
+              <a:rPr lang="en-US" altLang="ko-KR" sz="2800" b="1" dirty="0"/>
+              <a:t>4</a:t>
+            </a:r>
+            <a:endParaRPr lang="ko-KR" altLang="en-US" sz="2800" b="1" dirty="0"/>
+          </a:p>
+        </p:txBody>
+      </p:sp>
+    </p:spTree>
+    <p:extLst>
+      <p:ext uri="{BB962C8B-B14F-4D97-AF65-F5344CB8AC3E}">
         <p14:creationId xmlns:p14="http://schemas.microsoft.com/office/powerpoint/2010/main" val="2043953722"/>
       </p:ext>
     </p:extLst>
@@ -7147,7 +7447,7 @@
 </p:sld>
 </file>
 
-<file path=ppt/slides/slide12.xml><?xml version="1.0" encoding="utf-8"?>
+<file path=ppt/slides/slide14.xml><?xml version="1.0" encoding="utf-8"?>
 <p:sld xmlns:a="http://schemas.openxmlformats.org/drawingml/2006/main" xmlns:r="http://schemas.openxmlformats.org/officeDocument/2006/relationships" xmlns:p="http://schemas.openxmlformats.org/presentationml/2006/main">
   <p:cSld>
     <p:spTree>
@@ -7457,6 +7757,162 @@
           <a:chExt cx="0" cy="0"/>
         </a:xfrm>
       </p:grpSpPr>
+      <p:pic>
+        <p:nvPicPr>
+          <p:cNvPr id="4" name="그림 3">
+            <a:extLst>
+              <a:ext uri="{FF2B5EF4-FFF2-40B4-BE49-F238E27FC236}">
+                <a16:creationId xmlns:a16="http://schemas.microsoft.com/office/drawing/2014/main" id="{5BB59CDF-8600-454D-A414-DA394E0A2ABA}"/>
+              </a:ext>
+            </a:extLst>
+          </p:cNvPr>
+          <p:cNvPicPr>
+            <a:picLocks noChangeAspect="1"/>
+          </p:cNvPicPr>
+          <p:nvPr/>
+        </p:nvPicPr>
+        <p:blipFill>
+          <a:blip r:embed="rId2"/>
+          <a:stretch>
+            <a:fillRect/>
+          </a:stretch>
+        </p:blipFill>
+        <p:spPr>
+          <a:xfrm>
+            <a:off x="0" y="250825"/>
+            <a:ext cx="12192000" cy="6356350"/>
+          </a:xfrm>
+          <a:prstGeom prst="rect">
+            <a:avLst/>
+          </a:prstGeom>
+        </p:spPr>
+      </p:pic>
+    </p:spTree>
+    <p:extLst>
+      <p:ext uri="{BB962C8B-B14F-4D97-AF65-F5344CB8AC3E}">
+        <p14:creationId xmlns:p14="http://schemas.microsoft.com/office/powerpoint/2010/main" val="3427285567"/>
+      </p:ext>
+    </p:extLst>
+  </p:cSld>
+  <p:clrMapOvr>
+    <a:masterClrMapping/>
+  </p:clrMapOvr>
+</p:sld>
+</file>
+
+<file path=ppt/slides/slide4.xml><?xml version="1.0" encoding="utf-8"?>
+<p:sld xmlns:a="http://schemas.openxmlformats.org/drawingml/2006/main" xmlns:r="http://schemas.openxmlformats.org/officeDocument/2006/relationships" xmlns:p="http://schemas.openxmlformats.org/presentationml/2006/main">
+  <p:cSld>
+    <p:spTree>
+      <p:nvGrpSpPr>
+        <p:cNvPr id="1" name=""/>
+        <p:cNvGrpSpPr/>
+        <p:nvPr/>
+      </p:nvGrpSpPr>
+      <p:grpSpPr>
+        <a:xfrm>
+          <a:off x="0" y="0"/>
+          <a:ext cx="0" cy="0"/>
+          <a:chOff x="0" y="0"/>
+          <a:chExt cx="0" cy="0"/>
+        </a:xfrm>
+      </p:grpSpPr>
+      <p:pic>
+        <p:nvPicPr>
+          <p:cNvPr id="4" name="그림 3">
+            <a:extLst>
+              <a:ext uri="{FF2B5EF4-FFF2-40B4-BE49-F238E27FC236}">
+                <a16:creationId xmlns:a16="http://schemas.microsoft.com/office/drawing/2014/main" id="{6C741CE8-5CE3-4DA0-9BE6-64D850DC2854}"/>
+              </a:ext>
+            </a:extLst>
+          </p:cNvPr>
+          <p:cNvPicPr>
+            <a:picLocks noChangeAspect="1"/>
+          </p:cNvPicPr>
+          <p:nvPr/>
+        </p:nvPicPr>
+        <p:blipFill>
+          <a:blip r:embed="rId2"/>
+          <a:stretch>
+            <a:fillRect/>
+          </a:stretch>
+        </p:blipFill>
+        <p:spPr>
+          <a:xfrm>
+            <a:off x="0" y="250825"/>
+            <a:ext cx="12192000" cy="6356350"/>
+          </a:xfrm>
+          <a:prstGeom prst="rect">
+            <a:avLst/>
+          </a:prstGeom>
+        </p:spPr>
+      </p:pic>
+      <p:sp>
+        <p:nvSpPr>
+          <p:cNvPr id="5" name="TextBox 4">
+            <a:extLst>
+              <a:ext uri="{FF2B5EF4-FFF2-40B4-BE49-F238E27FC236}">
+                <a16:creationId xmlns:a16="http://schemas.microsoft.com/office/drawing/2014/main" id="{DA1D6987-411D-456B-A0F5-38BDBAC08C6B}"/>
+              </a:ext>
+            </a:extLst>
+          </p:cNvPr>
+          <p:cNvSpPr txBox="1"/>
+          <p:nvPr/>
+        </p:nvSpPr>
+        <p:spPr>
+          <a:xfrm>
+            <a:off x="102637" y="66159"/>
+            <a:ext cx="3686522" cy="369332"/>
+          </a:xfrm>
+          <a:prstGeom prst="rect">
+            <a:avLst/>
+          </a:prstGeom>
+          <a:noFill/>
+        </p:spPr>
+        <p:txBody>
+          <a:bodyPr wrap="none" rtlCol="0">
+            <a:spAutoFit/>
+          </a:bodyPr>
+          <a:lstStyle/>
+          <a:p>
+            <a:r>
+              <a:rPr lang="en-US" altLang="ko-KR" dirty="0"/>
+              <a:t>50 genes were chosen randomly.</a:t>
+            </a:r>
+            <a:endParaRPr lang="ko-KR" altLang="en-US" dirty="0"/>
+          </a:p>
+        </p:txBody>
+      </p:sp>
+    </p:spTree>
+    <p:extLst>
+      <p:ext uri="{BB962C8B-B14F-4D97-AF65-F5344CB8AC3E}">
+        <p14:creationId xmlns:p14="http://schemas.microsoft.com/office/powerpoint/2010/main" val="1082749647"/>
+      </p:ext>
+    </p:extLst>
+  </p:cSld>
+  <p:clrMapOvr>
+    <a:masterClrMapping/>
+  </p:clrMapOvr>
+</p:sld>
+</file>
+
+<file path=ppt/slides/slide5.xml><?xml version="1.0" encoding="utf-8"?>
+<p:sld xmlns:a="http://schemas.openxmlformats.org/drawingml/2006/main" xmlns:r="http://schemas.openxmlformats.org/officeDocument/2006/relationships" xmlns:p="http://schemas.openxmlformats.org/presentationml/2006/main">
+  <p:cSld>
+    <p:spTree>
+      <p:nvGrpSpPr>
+        <p:cNvPr id="1" name=""/>
+        <p:cNvGrpSpPr/>
+        <p:nvPr/>
+      </p:nvGrpSpPr>
+      <p:grpSpPr>
+        <a:xfrm>
+          <a:off x="0" y="0"/>
+          <a:ext cx="0" cy="0"/>
+          <a:chOff x="0" y="0"/>
+          <a:chExt cx="0" cy="0"/>
+        </a:xfrm>
+      </p:grpSpPr>
       <p:sp>
         <p:nvSpPr>
           <p:cNvPr id="2" name="제목 1">
@@ -7530,7 +7986,7 @@
 </p:sld>
 </file>
 
-<file path=ppt/slides/slide4.xml><?xml version="1.0" encoding="utf-8"?>
+<file path=ppt/slides/slide6.xml><?xml version="1.0" encoding="utf-8"?>
 <p:sld xmlns:a="http://schemas.openxmlformats.org/drawingml/2006/main" xmlns:r="http://schemas.openxmlformats.org/officeDocument/2006/relationships" xmlns:p="http://schemas.openxmlformats.org/presentationml/2006/main">
   <p:cSld>
     <p:spTree>
@@ -7715,7 +8171,7 @@
 </p:sld>
 </file>
 
-<file path=ppt/slides/slide5.xml><?xml version="1.0" encoding="utf-8"?>
+<file path=ppt/slides/slide7.xml><?xml version="1.0" encoding="utf-8"?>
 <p:sld xmlns:a="http://schemas.openxmlformats.org/drawingml/2006/main" xmlns:r="http://schemas.openxmlformats.org/officeDocument/2006/relationships" xmlns:p="http://schemas.openxmlformats.org/presentationml/2006/main">
   <p:cSld>
     <p:spTree>
@@ -7781,7 +8237,7 @@
 </p:sld>
 </file>
 
-<file path=ppt/slides/slide6.xml><?xml version="1.0" encoding="utf-8"?>
+<file path=ppt/slides/slide8.xml><?xml version="1.0" encoding="utf-8"?>
 <p:sld xmlns:a="http://schemas.openxmlformats.org/drawingml/2006/main" xmlns:r="http://schemas.openxmlformats.org/officeDocument/2006/relationships" xmlns:p="http://schemas.openxmlformats.org/presentationml/2006/main">
   <p:cSld>
     <p:spTree>
@@ -8123,7 +8579,7 @@
 </p:sld>
 </file>
 
-<file path=ppt/slides/slide7.xml><?xml version="1.0" encoding="utf-8"?>
+<file path=ppt/slides/slide9.xml><?xml version="1.0" encoding="utf-8"?>
 <p:sld xmlns:a="http://schemas.openxmlformats.org/drawingml/2006/main" xmlns:r="http://schemas.openxmlformats.org/officeDocument/2006/relationships" xmlns:p="http://schemas.openxmlformats.org/presentationml/2006/main">
   <p:cSld>
     <p:spTree>
@@ -8398,304 +8854,6 @@
     <p:extLst>
       <p:ext uri="{BB962C8B-B14F-4D97-AF65-F5344CB8AC3E}">
         <p14:creationId xmlns:p14="http://schemas.microsoft.com/office/powerpoint/2010/main" val="1474159182"/>
-      </p:ext>
-    </p:extLst>
-  </p:cSld>
-  <p:clrMapOvr>
-    <a:masterClrMapping/>
-  </p:clrMapOvr>
-</p:sld>
-</file>
-
-<file path=ppt/slides/slide8.xml><?xml version="1.0" encoding="utf-8"?>
-<p:sld xmlns:a="http://schemas.openxmlformats.org/drawingml/2006/main" xmlns:r="http://schemas.openxmlformats.org/officeDocument/2006/relationships" xmlns:p="http://schemas.openxmlformats.org/presentationml/2006/main">
-  <p:cSld>
-    <p:spTree>
-      <p:nvGrpSpPr>
-        <p:cNvPr id="1" name=""/>
-        <p:cNvGrpSpPr/>
-        <p:nvPr/>
-      </p:nvGrpSpPr>
-      <p:grpSpPr>
-        <a:xfrm>
-          <a:off x="0" y="0"/>
-          <a:ext cx="0" cy="0"/>
-          <a:chOff x="0" y="0"/>
-          <a:chExt cx="0" cy="0"/>
-        </a:xfrm>
-      </p:grpSpPr>
-      <p:sp>
-        <p:nvSpPr>
-          <p:cNvPr id="8" name="TextBox 7">
-            <a:extLst>
-              <a:ext uri="{FF2B5EF4-FFF2-40B4-BE49-F238E27FC236}">
-                <a16:creationId xmlns:a16="http://schemas.microsoft.com/office/drawing/2014/main" id="{B9B23F2A-AB35-4DEC-9569-617E6380F377}"/>
-              </a:ext>
-            </a:extLst>
-          </p:cNvPr>
-          <p:cNvSpPr txBox="1"/>
-          <p:nvPr/>
-        </p:nvSpPr>
-        <p:spPr>
-          <a:xfrm>
-            <a:off x="434307" y="270057"/>
-            <a:ext cx="2363755" cy="369332"/>
-          </a:xfrm>
-          <a:prstGeom prst="rect">
-            <a:avLst/>
-          </a:prstGeom>
-          <a:noFill/>
-        </p:spPr>
-        <p:txBody>
-          <a:bodyPr wrap="square" rtlCol="0">
-            <a:spAutoFit/>
-          </a:bodyPr>
-          <a:lstStyle/>
-          <a:p>
-            <a:r>
-              <a:rPr lang="en-US" altLang="ko-KR" dirty="0"/>
-              <a:t>Rank</a:t>
-            </a:r>
-            <a:r>
-              <a:rPr lang="ko-KR" altLang="en-US" dirty="0"/>
-              <a:t> </a:t>
-            </a:r>
-            <a:r>
-              <a:rPr lang="en-US" altLang="ko-KR" dirty="0"/>
-              <a:t>=</a:t>
-            </a:r>
-            <a:r>
-              <a:rPr lang="ko-KR" altLang="en-US" dirty="0"/>
-              <a:t> </a:t>
-            </a:r>
-            <a:r>
-              <a:rPr lang="en-US" altLang="ko-KR" dirty="0"/>
-              <a:t>4</a:t>
-            </a:r>
-            <a:endParaRPr lang="ko-KR" altLang="en-US" dirty="0"/>
-          </a:p>
-        </p:txBody>
-      </p:sp>
-      <p:pic>
-        <p:nvPicPr>
-          <p:cNvPr id="4" name="그림 3">
-            <a:extLst>
-              <a:ext uri="{FF2B5EF4-FFF2-40B4-BE49-F238E27FC236}">
-                <a16:creationId xmlns:a16="http://schemas.microsoft.com/office/drawing/2014/main" id="{C605483D-CED2-4EBD-96D1-FE762D728048}"/>
-              </a:ext>
-            </a:extLst>
-          </p:cNvPr>
-          <p:cNvPicPr>
-            <a:picLocks noChangeAspect="1"/>
-          </p:cNvPicPr>
-          <p:nvPr/>
-        </p:nvPicPr>
-        <p:blipFill>
-          <a:blip r:embed="rId2"/>
-          <a:stretch>
-            <a:fillRect/>
-          </a:stretch>
-        </p:blipFill>
-        <p:spPr>
-          <a:xfrm>
-            <a:off x="580832" y="895120"/>
-            <a:ext cx="5357324" cy="3825572"/>
-          </a:xfrm>
-          <a:prstGeom prst="rect">
-            <a:avLst/>
-          </a:prstGeom>
-        </p:spPr>
-      </p:pic>
-      <p:pic>
-        <p:nvPicPr>
-          <p:cNvPr id="5" name="그림 4">
-            <a:extLst>
-              <a:ext uri="{FF2B5EF4-FFF2-40B4-BE49-F238E27FC236}">
-                <a16:creationId xmlns:a16="http://schemas.microsoft.com/office/drawing/2014/main" id="{A06A2EB2-CC3E-48A3-B9D9-FD1FC46F28FF}"/>
-              </a:ext>
-            </a:extLst>
-          </p:cNvPr>
-          <p:cNvPicPr>
-            <a:picLocks noChangeAspect="1"/>
-          </p:cNvPicPr>
-          <p:nvPr/>
-        </p:nvPicPr>
-        <p:blipFill>
-          <a:blip r:embed="rId3"/>
-          <a:stretch>
-            <a:fillRect/>
-          </a:stretch>
-        </p:blipFill>
-        <p:spPr>
-          <a:xfrm>
-            <a:off x="864487" y="5018411"/>
-            <a:ext cx="3867150" cy="1200150"/>
-          </a:xfrm>
-          <a:prstGeom prst="rect">
-            <a:avLst/>
-          </a:prstGeom>
-        </p:spPr>
-      </p:pic>
-    </p:spTree>
-    <p:extLst>
-      <p:ext uri="{BB962C8B-B14F-4D97-AF65-F5344CB8AC3E}">
-        <p14:creationId xmlns:p14="http://schemas.microsoft.com/office/powerpoint/2010/main" val="128818781"/>
-      </p:ext>
-    </p:extLst>
-  </p:cSld>
-  <p:clrMapOvr>
-    <a:masterClrMapping/>
-  </p:clrMapOvr>
-</p:sld>
-</file>
-
-<file path=ppt/slides/slide9.xml><?xml version="1.0" encoding="utf-8"?>
-<p:sld xmlns:a="http://schemas.openxmlformats.org/drawingml/2006/main" xmlns:r="http://schemas.openxmlformats.org/officeDocument/2006/relationships" xmlns:p="http://schemas.openxmlformats.org/presentationml/2006/main">
-  <p:cSld>
-    <p:spTree>
-      <p:nvGrpSpPr>
-        <p:cNvPr id="1" name=""/>
-        <p:cNvGrpSpPr/>
-        <p:nvPr/>
-      </p:nvGrpSpPr>
-      <p:grpSpPr>
-        <a:xfrm>
-          <a:off x="0" y="0"/>
-          <a:ext cx="0" cy="0"/>
-          <a:chOff x="0" y="0"/>
-          <a:chExt cx="0" cy="0"/>
-        </a:xfrm>
-      </p:grpSpPr>
-      <p:pic>
-        <p:nvPicPr>
-          <p:cNvPr id="4" name="그림 3">
-            <a:extLst>
-              <a:ext uri="{FF2B5EF4-FFF2-40B4-BE49-F238E27FC236}">
-                <a16:creationId xmlns:a16="http://schemas.microsoft.com/office/drawing/2014/main" id="{CF242010-D213-4F8C-A110-489FDF5FCDF8}"/>
-              </a:ext>
-            </a:extLst>
-          </p:cNvPr>
-          <p:cNvPicPr>
-            <a:picLocks noChangeAspect="1"/>
-          </p:cNvPicPr>
-          <p:nvPr/>
-        </p:nvPicPr>
-        <p:blipFill>
-          <a:blip r:embed="rId2"/>
-          <a:stretch>
-            <a:fillRect/>
-          </a:stretch>
-        </p:blipFill>
-        <p:spPr>
-          <a:xfrm>
-            <a:off x="495146" y="475994"/>
-            <a:ext cx="5342083" cy="5906012"/>
-          </a:xfrm>
-          <a:prstGeom prst="rect">
-            <a:avLst/>
-          </a:prstGeom>
-        </p:spPr>
-      </p:pic>
-      <p:pic>
-        <p:nvPicPr>
-          <p:cNvPr id="6" name="그림 5">
-            <a:extLst>
-              <a:ext uri="{FF2B5EF4-FFF2-40B4-BE49-F238E27FC236}">
-                <a16:creationId xmlns:a16="http://schemas.microsoft.com/office/drawing/2014/main" id="{21C0DE7E-F7BA-41C4-BA3C-183C6B696190}"/>
-              </a:ext>
-            </a:extLst>
-          </p:cNvPr>
-          <p:cNvPicPr>
-            <a:picLocks noChangeAspect="1"/>
-          </p:cNvPicPr>
-          <p:nvPr/>
-        </p:nvPicPr>
-        <p:blipFill>
-          <a:blip r:embed="rId3"/>
-          <a:stretch>
-            <a:fillRect/>
-          </a:stretch>
-        </p:blipFill>
-        <p:spPr>
-          <a:xfrm>
-            <a:off x="6354773" y="475994"/>
-            <a:ext cx="5249050" cy="6167402"/>
-          </a:xfrm>
-          <a:prstGeom prst="rect">
-            <a:avLst/>
-          </a:prstGeom>
-        </p:spPr>
-      </p:pic>
-      <p:sp>
-        <p:nvSpPr>
-          <p:cNvPr id="7" name="TextBox 6">
-            <a:extLst>
-              <a:ext uri="{FF2B5EF4-FFF2-40B4-BE49-F238E27FC236}">
-                <a16:creationId xmlns:a16="http://schemas.microsoft.com/office/drawing/2014/main" id="{FE90A4AB-CCE2-40C2-A624-1995C215E579}"/>
-              </a:ext>
-            </a:extLst>
-          </p:cNvPr>
-          <p:cNvSpPr txBox="1"/>
-          <p:nvPr/>
-        </p:nvSpPr>
-        <p:spPr>
-          <a:xfrm>
-            <a:off x="10142376" y="0"/>
-            <a:ext cx="2049624" cy="523220"/>
-          </a:xfrm>
-          <a:prstGeom prst="rect">
-            <a:avLst/>
-          </a:prstGeom>
-        </p:spPr>
-        <p:style>
-          <a:lnRef idx="1">
-            <a:schemeClr val="accent2"/>
-          </a:lnRef>
-          <a:fillRef idx="3">
-            <a:schemeClr val="accent2"/>
-          </a:fillRef>
-          <a:effectRef idx="2">
-            <a:schemeClr val="accent2"/>
-          </a:effectRef>
-          <a:fontRef idx="minor">
-            <a:schemeClr val="lt1"/>
-          </a:fontRef>
-        </p:style>
-        <p:txBody>
-          <a:bodyPr wrap="square" rtlCol="0">
-            <a:spAutoFit/>
-          </a:bodyPr>
-          <a:lstStyle/>
-          <a:p>
-            <a:pPr algn="ctr"/>
-            <a:r>
-              <a:rPr lang="en-US" altLang="ko-KR" sz="2800" b="1" dirty="0"/>
-              <a:t>Rank</a:t>
-            </a:r>
-            <a:r>
-              <a:rPr lang="ko-KR" altLang="en-US" sz="2800" b="1" dirty="0"/>
-              <a:t> </a:t>
-            </a:r>
-            <a:r>
-              <a:rPr lang="en-US" altLang="ko-KR" sz="2800" b="1" dirty="0"/>
-              <a:t>=</a:t>
-            </a:r>
-            <a:r>
-              <a:rPr lang="ko-KR" altLang="en-US" sz="2800" b="1" dirty="0"/>
-              <a:t> </a:t>
-            </a:r>
-            <a:r>
-              <a:rPr lang="en-US" altLang="ko-KR" sz="2800" b="1" dirty="0"/>
-              <a:t>4</a:t>
-            </a:r>
-            <a:endParaRPr lang="ko-KR" altLang="en-US" sz="2800" b="1" dirty="0"/>
-          </a:p>
-        </p:txBody>
-      </p:sp>
-    </p:spTree>
-    <p:extLst>
-      <p:ext uri="{BB962C8B-B14F-4D97-AF65-F5344CB8AC3E}">
-        <p14:creationId xmlns:p14="http://schemas.microsoft.com/office/powerpoint/2010/main" val="926834691"/>
       </p:ext>
     </p:extLst>
   </p:cSld>

--- a/Rectal_cancer_classification.pptx
+++ b/Rectal_cancer_classification.pptx
@@ -19,6 +19,9 @@
     <p:sldId id="265" r:id="rId13"/>
     <p:sldId id="266" r:id="rId14"/>
     <p:sldId id="267" r:id="rId15"/>
+    <p:sldId id="270" r:id="rId16"/>
+    <p:sldId id="271" r:id="rId17"/>
+    <p:sldId id="272" r:id="rId18"/>
   </p:sldIdLst>
   <p:sldSz cx="12192000" cy="6858000"/>
   <p:notesSz cx="6858000" cy="9144000"/>
@@ -7634,6 +7637,338 @@
 </p:sld>
 </file>
 
+<file path=ppt/slides/slide15.xml><?xml version="1.0" encoding="utf-8"?>
+<p:sld xmlns:a="http://schemas.openxmlformats.org/drawingml/2006/main" xmlns:r="http://schemas.openxmlformats.org/officeDocument/2006/relationships" xmlns:p="http://schemas.openxmlformats.org/presentationml/2006/main">
+  <p:cSld>
+    <p:spTree>
+      <p:nvGrpSpPr>
+        <p:cNvPr id="1" name=""/>
+        <p:cNvGrpSpPr/>
+        <p:nvPr/>
+      </p:nvGrpSpPr>
+      <p:grpSpPr>
+        <a:xfrm>
+          <a:off x="0" y="0"/>
+          <a:ext cx="0" cy="0"/>
+          <a:chOff x="0" y="0"/>
+          <a:chExt cx="0" cy="0"/>
+        </a:xfrm>
+      </p:grpSpPr>
+      <p:pic>
+        <p:nvPicPr>
+          <p:cNvPr id="4" name="그림 3">
+            <a:extLst>
+              <a:ext uri="{FF2B5EF4-FFF2-40B4-BE49-F238E27FC236}">
+                <a16:creationId xmlns:a16="http://schemas.microsoft.com/office/drawing/2014/main" id="{49A547FB-8B6B-4E63-94DD-B4A053AFAC8D}"/>
+              </a:ext>
+            </a:extLst>
+          </p:cNvPr>
+          <p:cNvPicPr>
+            <a:picLocks noChangeAspect="1"/>
+          </p:cNvPicPr>
+          <p:nvPr/>
+        </p:nvPicPr>
+        <p:blipFill>
+          <a:blip r:embed="rId2"/>
+          <a:stretch>
+            <a:fillRect/>
+          </a:stretch>
+        </p:blipFill>
+        <p:spPr>
+          <a:xfrm>
+            <a:off x="0" y="250825"/>
+            <a:ext cx="12192000" cy="6356350"/>
+          </a:xfrm>
+          <a:prstGeom prst="rect">
+            <a:avLst/>
+          </a:prstGeom>
+        </p:spPr>
+      </p:pic>
+      <p:sp>
+        <p:nvSpPr>
+          <p:cNvPr id="2" name="제목 1">
+            <a:extLst>
+              <a:ext uri="{FF2B5EF4-FFF2-40B4-BE49-F238E27FC236}">
+                <a16:creationId xmlns:a16="http://schemas.microsoft.com/office/drawing/2014/main" id="{16C19E66-1202-41B5-B91A-45B45D898232}"/>
+              </a:ext>
+            </a:extLst>
+          </p:cNvPr>
+          <p:cNvSpPr>
+            <a:spLocks noGrp="1"/>
+          </p:cNvSpPr>
+          <p:nvPr>
+            <p:ph type="title"/>
+          </p:nvPr>
+        </p:nvSpPr>
+        <p:spPr>
+          <a:xfrm>
+            <a:off x="838200" y="-297349"/>
+            <a:ext cx="10515600" cy="1325563"/>
+          </a:xfrm>
+        </p:spPr>
+        <p:txBody>
+          <a:bodyPr/>
+          <a:lstStyle/>
+          <a:p>
+            <a:r>
+              <a:rPr lang="en-US" altLang="ko-KR" dirty="0"/>
+              <a:t>When gene expression is normalized</a:t>
+            </a:r>
+            <a:endParaRPr lang="ko-KR" altLang="en-US" dirty="0"/>
+          </a:p>
+        </p:txBody>
+      </p:sp>
+    </p:spTree>
+    <p:extLst>
+      <p:ext uri="{BB962C8B-B14F-4D97-AF65-F5344CB8AC3E}">
+        <p14:creationId xmlns:p14="http://schemas.microsoft.com/office/powerpoint/2010/main" val="3574981896"/>
+      </p:ext>
+    </p:extLst>
+  </p:cSld>
+  <p:clrMapOvr>
+    <a:masterClrMapping/>
+  </p:clrMapOvr>
+</p:sld>
+</file>
+
+<file path=ppt/slides/slide16.xml><?xml version="1.0" encoding="utf-8"?>
+<p:sld xmlns:a="http://schemas.openxmlformats.org/drawingml/2006/main" xmlns:r="http://schemas.openxmlformats.org/officeDocument/2006/relationships" xmlns:p="http://schemas.openxmlformats.org/presentationml/2006/main">
+  <p:cSld>
+    <p:spTree>
+      <p:nvGrpSpPr>
+        <p:cNvPr id="1" name=""/>
+        <p:cNvGrpSpPr/>
+        <p:nvPr/>
+      </p:nvGrpSpPr>
+      <p:grpSpPr>
+        <a:xfrm>
+          <a:off x="0" y="0"/>
+          <a:ext cx="0" cy="0"/>
+          <a:chOff x="0" y="0"/>
+          <a:chExt cx="0" cy="0"/>
+        </a:xfrm>
+      </p:grpSpPr>
+      <p:sp>
+        <p:nvSpPr>
+          <p:cNvPr id="2" name="제목 1">
+            <a:extLst>
+              <a:ext uri="{FF2B5EF4-FFF2-40B4-BE49-F238E27FC236}">
+                <a16:creationId xmlns:a16="http://schemas.microsoft.com/office/drawing/2014/main" id="{F6EB9468-4A96-485F-BAE4-135E116BDC91}"/>
+              </a:ext>
+            </a:extLst>
+          </p:cNvPr>
+          <p:cNvSpPr>
+            <a:spLocks noGrp="1"/>
+          </p:cNvSpPr>
+          <p:nvPr>
+            <p:ph type="title"/>
+          </p:nvPr>
+        </p:nvSpPr>
+        <p:spPr/>
+        <p:txBody>
+          <a:bodyPr/>
+          <a:lstStyle/>
+          <a:p>
+            <a:endParaRPr lang="ko-KR" altLang="en-US"/>
+          </a:p>
+        </p:txBody>
+      </p:sp>
+      <p:pic>
+        <p:nvPicPr>
+          <p:cNvPr id="5" name="내용 개체 틀 4">
+            <a:extLst>
+              <a:ext uri="{FF2B5EF4-FFF2-40B4-BE49-F238E27FC236}">
+                <a16:creationId xmlns:a16="http://schemas.microsoft.com/office/drawing/2014/main" id="{DF0ABA6B-1600-45CF-8A4F-84F536F2E4DC}"/>
+              </a:ext>
+            </a:extLst>
+          </p:cNvPr>
+          <p:cNvPicPr>
+            <a:picLocks noGrp="1" noChangeAspect="1"/>
+          </p:cNvPicPr>
+          <p:nvPr>
+            <p:ph idx="1"/>
+          </p:nvPr>
+        </p:nvPicPr>
+        <p:blipFill>
+          <a:blip r:embed="rId2"/>
+          <a:stretch>
+            <a:fillRect/>
+          </a:stretch>
+        </p:blipFill>
+        <p:spPr>
+          <a:xfrm>
+            <a:off x="534593" y="2101465"/>
+            <a:ext cx="6142252" cy="4130398"/>
+          </a:xfrm>
+          <a:prstGeom prst="rect">
+            <a:avLst/>
+          </a:prstGeom>
+        </p:spPr>
+      </p:pic>
+      <p:pic>
+        <p:nvPicPr>
+          <p:cNvPr id="6" name="그림 5">
+            <a:extLst>
+              <a:ext uri="{FF2B5EF4-FFF2-40B4-BE49-F238E27FC236}">
+                <a16:creationId xmlns:a16="http://schemas.microsoft.com/office/drawing/2014/main" id="{8E9C24A6-63BC-4A9C-B8FE-3ED458D6C655}"/>
+              </a:ext>
+            </a:extLst>
+          </p:cNvPr>
+          <p:cNvPicPr>
+            <a:picLocks noChangeAspect="1"/>
+          </p:cNvPicPr>
+          <p:nvPr/>
+        </p:nvPicPr>
+        <p:blipFill>
+          <a:blip r:embed="rId3"/>
+          <a:stretch>
+            <a:fillRect/>
+          </a:stretch>
+        </p:blipFill>
+        <p:spPr>
+          <a:xfrm>
+            <a:off x="6812705" y="2101465"/>
+            <a:ext cx="3819525" cy="1304925"/>
+          </a:xfrm>
+          <a:prstGeom prst="rect">
+            <a:avLst/>
+          </a:prstGeom>
+        </p:spPr>
+      </p:pic>
+    </p:spTree>
+    <p:extLst>
+      <p:ext uri="{BB962C8B-B14F-4D97-AF65-F5344CB8AC3E}">
+        <p14:creationId xmlns:p14="http://schemas.microsoft.com/office/powerpoint/2010/main" val="2479974736"/>
+      </p:ext>
+    </p:extLst>
+  </p:cSld>
+  <p:clrMapOvr>
+    <a:masterClrMapping/>
+  </p:clrMapOvr>
+</p:sld>
+</file>
+
+<file path=ppt/slides/slide17.xml><?xml version="1.0" encoding="utf-8"?>
+<p:sld xmlns:a="http://schemas.openxmlformats.org/drawingml/2006/main" xmlns:r="http://schemas.openxmlformats.org/officeDocument/2006/relationships" xmlns:p="http://schemas.openxmlformats.org/presentationml/2006/main">
+  <p:cSld>
+    <p:spTree>
+      <p:nvGrpSpPr>
+        <p:cNvPr id="1" name=""/>
+        <p:cNvGrpSpPr/>
+        <p:nvPr/>
+      </p:nvGrpSpPr>
+      <p:grpSpPr>
+        <a:xfrm>
+          <a:off x="0" y="0"/>
+          <a:ext cx="0" cy="0"/>
+          <a:chOff x="0" y="0"/>
+          <a:chExt cx="0" cy="0"/>
+        </a:xfrm>
+      </p:grpSpPr>
+      <p:sp>
+        <p:nvSpPr>
+          <p:cNvPr id="2" name="제목 1">
+            <a:extLst>
+              <a:ext uri="{FF2B5EF4-FFF2-40B4-BE49-F238E27FC236}">
+                <a16:creationId xmlns:a16="http://schemas.microsoft.com/office/drawing/2014/main" id="{DE02C399-1BE8-4606-8BC6-F2243A4EF8ED}"/>
+              </a:ext>
+            </a:extLst>
+          </p:cNvPr>
+          <p:cNvSpPr>
+            <a:spLocks noGrp="1"/>
+          </p:cNvSpPr>
+          <p:nvPr>
+            <p:ph type="title"/>
+          </p:nvPr>
+        </p:nvSpPr>
+        <p:spPr/>
+        <p:txBody>
+          <a:bodyPr/>
+          <a:lstStyle/>
+          <a:p>
+            <a:r>
+              <a:rPr lang="en-US" altLang="ko-KR" dirty="0"/>
+              <a:t>Validation - Failed</a:t>
+            </a:r>
+            <a:endParaRPr lang="ko-KR" altLang="en-US" dirty="0"/>
+          </a:p>
+        </p:txBody>
+      </p:sp>
+      <p:pic>
+        <p:nvPicPr>
+          <p:cNvPr id="4" name="내용 개체 틀 3">
+            <a:extLst>
+              <a:ext uri="{FF2B5EF4-FFF2-40B4-BE49-F238E27FC236}">
+                <a16:creationId xmlns:a16="http://schemas.microsoft.com/office/drawing/2014/main" id="{8DF77F8A-5B8C-4160-A375-C914E971A78D}"/>
+              </a:ext>
+            </a:extLst>
+          </p:cNvPr>
+          <p:cNvPicPr>
+            <a:picLocks noGrp="1" noChangeAspect="1"/>
+          </p:cNvPicPr>
+          <p:nvPr>
+            <p:ph idx="1"/>
+          </p:nvPr>
+        </p:nvPicPr>
+        <p:blipFill>
+          <a:blip r:embed="rId2"/>
+          <a:stretch>
+            <a:fillRect/>
+          </a:stretch>
+        </p:blipFill>
+        <p:spPr>
+          <a:xfrm>
+            <a:off x="838200" y="1926764"/>
+            <a:ext cx="6142252" cy="4130398"/>
+          </a:xfrm>
+          <a:prstGeom prst="rect">
+            <a:avLst/>
+          </a:prstGeom>
+        </p:spPr>
+      </p:pic>
+      <p:pic>
+        <p:nvPicPr>
+          <p:cNvPr id="5" name="그림 4">
+            <a:extLst>
+              <a:ext uri="{FF2B5EF4-FFF2-40B4-BE49-F238E27FC236}">
+                <a16:creationId xmlns:a16="http://schemas.microsoft.com/office/drawing/2014/main" id="{00EF685E-52CB-4724-9F45-734EF8D09372}"/>
+              </a:ext>
+            </a:extLst>
+          </p:cNvPr>
+          <p:cNvPicPr>
+            <a:picLocks noChangeAspect="1"/>
+          </p:cNvPicPr>
+          <p:nvPr/>
+        </p:nvPicPr>
+        <p:blipFill>
+          <a:blip r:embed="rId3"/>
+          <a:stretch>
+            <a:fillRect/>
+          </a:stretch>
+        </p:blipFill>
+        <p:spPr>
+          <a:xfrm>
+            <a:off x="6980452" y="1926764"/>
+            <a:ext cx="3886200" cy="1400175"/>
+          </a:xfrm>
+          <a:prstGeom prst="rect">
+            <a:avLst/>
+          </a:prstGeom>
+        </p:spPr>
+      </p:pic>
+    </p:spTree>
+    <p:extLst>
+      <p:ext uri="{BB962C8B-B14F-4D97-AF65-F5344CB8AC3E}">
+        <p14:creationId xmlns:p14="http://schemas.microsoft.com/office/powerpoint/2010/main" val="1084802716"/>
+      </p:ext>
+    </p:extLst>
+  </p:cSld>
+  <p:clrMapOvr>
+    <a:masterClrMapping/>
+  </p:clrMapOvr>
+</p:sld>
+</file>
+
 <file path=ppt/slides/slide2.xml><?xml version="1.0" encoding="utf-8"?>
 <p:sld xmlns:a="http://schemas.openxmlformats.org/drawingml/2006/main" xmlns:r="http://schemas.openxmlformats.org/officeDocument/2006/relationships" xmlns:p="http://schemas.openxmlformats.org/presentationml/2006/main">
   <p:cSld>
